--- a/PPTs/Qadr 23 Ya rabba lailatil qadr.pptx
+++ b/PPTs/Qadr 23 Ya rabba lailatil qadr.pptx
@@ -371,13 +371,13 @@
   <p:clrMapOvr>
     <a:masterClrMapping/>
   </p:clrMapOvr>
-  <mc:AlternateContent xmlns:mc="http://schemas.openxmlformats.org/markup-compatibility/2006">
-    <mc:Choice xmlns:p14="http://schemas.microsoft.com/office/powerpoint/2010/main" Requires="p14">
+  <mc:AlternateContent xmlns:mc="http://schemas.openxmlformats.org/markup-compatibility/2006" xmlns:p14="http://schemas.microsoft.com/office/powerpoint/2010/main">
+    <mc:Choice Requires="p14">
       <p:transition p14:dur="300">
         <p:fade/>
       </p:transition>
     </mc:Choice>
-    <mc:Fallback>
+    <mc:Fallback xmlns="">
       <p:transition>
         <p:fade/>
       </p:transition>
@@ -626,13 +626,13 @@
   <p:clrMapOvr>
     <a:masterClrMapping/>
   </p:clrMapOvr>
-  <mc:AlternateContent xmlns:mc="http://schemas.openxmlformats.org/markup-compatibility/2006">
-    <mc:Choice xmlns:p14="http://schemas.microsoft.com/office/powerpoint/2010/main" Requires="p14">
+  <mc:AlternateContent xmlns:mc="http://schemas.openxmlformats.org/markup-compatibility/2006" xmlns:p14="http://schemas.microsoft.com/office/powerpoint/2010/main">
+    <mc:Choice Requires="p14">
       <p:transition p14:dur="300">
         <p:fade/>
       </p:transition>
     </mc:Choice>
-    <mc:Fallback>
+    <mc:Fallback xmlns="">
       <p:transition>
         <p:fade/>
       </p:transition>
@@ -875,13 +875,13 @@
   <p:clrMapOvr>
     <a:masterClrMapping/>
   </p:clrMapOvr>
-  <mc:AlternateContent xmlns:mc="http://schemas.openxmlformats.org/markup-compatibility/2006">
-    <mc:Choice xmlns:p14="http://schemas.microsoft.com/office/powerpoint/2010/main" Requires="p14">
+  <mc:AlternateContent xmlns:mc="http://schemas.openxmlformats.org/markup-compatibility/2006" xmlns:p14="http://schemas.microsoft.com/office/powerpoint/2010/main">
+    <mc:Choice Requires="p14">
       <p:transition p14:dur="300">
         <p:fade/>
       </p:transition>
     </mc:Choice>
-    <mc:Fallback>
+    <mc:Fallback xmlns="">
       <p:transition>
         <p:fade/>
       </p:transition>
@@ -1010,13 +1010,13 @@
   <p:clrMapOvr>
     <a:masterClrMapping/>
   </p:clrMapOvr>
-  <mc:AlternateContent xmlns:mc="http://schemas.openxmlformats.org/markup-compatibility/2006">
-    <mc:Choice xmlns:p14="http://schemas.microsoft.com/office/powerpoint/2010/main" Requires="p14">
+  <mc:AlternateContent xmlns:mc="http://schemas.openxmlformats.org/markup-compatibility/2006" xmlns:p14="http://schemas.microsoft.com/office/powerpoint/2010/main">
+    <mc:Choice Requires="p14">
       <p:transition p14:dur="300">
         <p:fade/>
       </p:transition>
     </mc:Choice>
-    <mc:Fallback>
+    <mc:Fallback xmlns="">
       <p:transition>
         <p:fade/>
       </p:transition>
@@ -1251,13 +1251,13 @@
   <p:clrMapOvr>
     <a:masterClrMapping/>
   </p:clrMapOvr>
-  <mc:AlternateContent xmlns:mc="http://schemas.openxmlformats.org/markup-compatibility/2006">
-    <mc:Choice xmlns:p14="http://schemas.microsoft.com/office/powerpoint/2010/main" Requires="p14">
+  <mc:AlternateContent xmlns:mc="http://schemas.openxmlformats.org/markup-compatibility/2006" xmlns:p14="http://schemas.microsoft.com/office/powerpoint/2010/main">
+    <mc:Choice Requires="p14">
       <p:transition p14:dur="300">
         <p:fade/>
       </p:transition>
     </mc:Choice>
-    <mc:Fallback>
+    <mc:Fallback xmlns="">
       <p:transition>
         <p:fade/>
       </p:transition>
@@ -1506,13 +1506,13 @@
   <p:clrMapOvr>
     <a:masterClrMapping/>
   </p:clrMapOvr>
-  <mc:AlternateContent xmlns:mc="http://schemas.openxmlformats.org/markup-compatibility/2006">
-    <mc:Choice xmlns:p14="http://schemas.microsoft.com/office/powerpoint/2010/main" Requires="p14">
+  <mc:AlternateContent xmlns:mc="http://schemas.openxmlformats.org/markup-compatibility/2006" xmlns:p14="http://schemas.microsoft.com/office/powerpoint/2010/main">
+    <mc:Choice Requires="p14">
       <p:transition p14:dur="300">
         <p:fade/>
       </p:transition>
     </mc:Choice>
-    <mc:Fallback>
+    <mc:Fallback xmlns="">
       <p:transition>
         <p:fade/>
       </p:transition>
@@ -1764,13 +1764,13 @@
   <p:clrMapOvr>
     <a:masterClrMapping/>
   </p:clrMapOvr>
-  <mc:AlternateContent xmlns:mc="http://schemas.openxmlformats.org/markup-compatibility/2006">
-    <mc:Choice xmlns:p14="http://schemas.microsoft.com/office/powerpoint/2010/main" Requires="p14">
+  <mc:AlternateContent xmlns:mc="http://schemas.openxmlformats.org/markup-compatibility/2006" xmlns:p14="http://schemas.microsoft.com/office/powerpoint/2010/main">
+    <mc:Choice Requires="p14">
       <p:transition p14:dur="300">
         <p:fade/>
       </p:transition>
     </mc:Choice>
-    <mc:Fallback>
+    <mc:Fallback xmlns="">
       <p:transition>
         <p:fade/>
       </p:transition>
@@ -2104,13 +2104,13 @@
   <p:clrMapOvr>
     <a:masterClrMapping/>
   </p:clrMapOvr>
-  <mc:AlternateContent xmlns:mc="http://schemas.openxmlformats.org/markup-compatibility/2006">
-    <mc:Choice xmlns:p14="http://schemas.microsoft.com/office/powerpoint/2010/main" Requires="p14">
+  <mc:AlternateContent xmlns:mc="http://schemas.openxmlformats.org/markup-compatibility/2006" xmlns:p14="http://schemas.microsoft.com/office/powerpoint/2010/main">
+    <mc:Choice Requires="p14">
       <p:transition p14:dur="300">
         <p:fade/>
       </p:transition>
     </mc:Choice>
-    <mc:Fallback>
+    <mc:Fallback xmlns="">
       <p:transition>
         <p:fade/>
       </p:transition>
@@ -2574,13 +2574,13 @@
   <p:clrMapOvr>
     <a:masterClrMapping/>
   </p:clrMapOvr>
-  <mc:AlternateContent xmlns:mc="http://schemas.openxmlformats.org/markup-compatibility/2006">
-    <mc:Choice xmlns:p14="http://schemas.microsoft.com/office/powerpoint/2010/main" Requires="p14">
+  <mc:AlternateContent xmlns:mc="http://schemas.openxmlformats.org/markup-compatibility/2006" xmlns:p14="http://schemas.microsoft.com/office/powerpoint/2010/main">
+    <mc:Choice Requires="p14">
       <p:transition p14:dur="300">
         <p:fade/>
       </p:transition>
     </mc:Choice>
-    <mc:Fallback>
+    <mc:Fallback xmlns="">
       <p:transition>
         <p:fade/>
       </p:transition>
@@ -2746,13 +2746,13 @@
   <p:clrMapOvr>
     <a:masterClrMapping/>
   </p:clrMapOvr>
-  <mc:AlternateContent xmlns:mc="http://schemas.openxmlformats.org/markup-compatibility/2006">
-    <mc:Choice xmlns:p14="http://schemas.microsoft.com/office/powerpoint/2010/main" Requires="p14">
+  <mc:AlternateContent xmlns:mc="http://schemas.openxmlformats.org/markup-compatibility/2006" xmlns:p14="http://schemas.microsoft.com/office/powerpoint/2010/main">
+    <mc:Choice Requires="p14">
       <p:transition p14:dur="300">
         <p:fade/>
       </p:transition>
     </mc:Choice>
-    <mc:Fallback>
+    <mc:Fallback xmlns="">
       <p:transition>
         <p:fade/>
       </p:transition>
@@ -2892,13 +2892,13 @@
   <p:clrMapOvr>
     <a:masterClrMapping/>
   </p:clrMapOvr>
-  <mc:AlternateContent xmlns:mc="http://schemas.openxmlformats.org/markup-compatibility/2006">
-    <mc:Choice xmlns:p14="http://schemas.microsoft.com/office/powerpoint/2010/main" Requires="p14">
+  <mc:AlternateContent xmlns:mc="http://schemas.openxmlformats.org/markup-compatibility/2006" xmlns:p14="http://schemas.microsoft.com/office/powerpoint/2010/main">
+    <mc:Choice Requires="p14">
       <p:transition p14:dur="300">
         <p:fade/>
       </p:transition>
     </mc:Choice>
-    <mc:Fallback>
+    <mc:Fallback xmlns="">
       <p:transition>
         <p:fade/>
       </p:transition>
@@ -3131,13 +3131,13 @@
   <p:clrMapOvr>
     <a:masterClrMapping/>
   </p:clrMapOvr>
-  <mc:AlternateContent xmlns:mc="http://schemas.openxmlformats.org/markup-compatibility/2006">
-    <mc:Choice xmlns:p14="http://schemas.microsoft.com/office/powerpoint/2010/main" Requires="p14">
+  <mc:AlternateContent xmlns:mc="http://schemas.openxmlformats.org/markup-compatibility/2006" xmlns:p14="http://schemas.microsoft.com/office/powerpoint/2010/main">
+    <mc:Choice Requires="p14">
       <p:transition p14:dur="300">
         <p:fade/>
       </p:transition>
     </mc:Choice>
-    <mc:Fallback>
+    <mc:Fallback xmlns="">
       <p:transition>
         <p:fade/>
       </p:transition>
@@ -3473,13 +3473,13 @@
   <p:clrMapOvr>
     <a:masterClrMapping/>
   </p:clrMapOvr>
-  <mc:AlternateContent xmlns:mc="http://schemas.openxmlformats.org/markup-compatibility/2006">
-    <mc:Choice xmlns:p14="http://schemas.microsoft.com/office/powerpoint/2010/main" Requires="p14">
+  <mc:AlternateContent xmlns:mc="http://schemas.openxmlformats.org/markup-compatibility/2006" xmlns:p14="http://schemas.microsoft.com/office/powerpoint/2010/main">
+    <mc:Choice Requires="p14">
       <p:transition p14:dur="300">
         <p:fade/>
       </p:transition>
     </mc:Choice>
-    <mc:Fallback>
+    <mc:Fallback xmlns="">
       <p:transition>
         <p:fade/>
       </p:transition>
@@ -3777,13 +3777,13 @@
   <p:clrMapOvr>
     <a:masterClrMapping/>
   </p:clrMapOvr>
-  <mc:AlternateContent xmlns:mc="http://schemas.openxmlformats.org/markup-compatibility/2006">
-    <mc:Choice xmlns:p14="http://schemas.microsoft.com/office/powerpoint/2010/main" Requires="p14">
+  <mc:AlternateContent xmlns:mc="http://schemas.openxmlformats.org/markup-compatibility/2006" xmlns:p14="http://schemas.microsoft.com/office/powerpoint/2010/main">
+    <mc:Choice Requires="p14">
       <p:transition p14:dur="300">
         <p:fade/>
       </p:transition>
     </mc:Choice>
-    <mc:Fallback>
+    <mc:Fallback xmlns="">
       <p:transition>
         <p:fade/>
       </p:transition>
@@ -4016,13 +4016,13 @@
   <p:clrMapOvr>
     <a:masterClrMapping/>
   </p:clrMapOvr>
-  <mc:AlternateContent xmlns:mc="http://schemas.openxmlformats.org/markup-compatibility/2006">
-    <mc:Choice xmlns:p14="http://schemas.microsoft.com/office/powerpoint/2010/main" Requires="p14">
+  <mc:AlternateContent xmlns:mc="http://schemas.openxmlformats.org/markup-compatibility/2006" xmlns:p14="http://schemas.microsoft.com/office/powerpoint/2010/main">
+    <mc:Choice Requires="p14">
       <p:transition p14:dur="300">
         <p:fade/>
       </p:transition>
     </mc:Choice>
-    <mc:Fallback>
+    <mc:Fallback xmlns="">
       <p:transition>
         <p:fade/>
       </p:transition>
@@ -4265,13 +4265,13 @@
   <p:clrMapOvr>
     <a:masterClrMapping/>
   </p:clrMapOvr>
-  <mc:AlternateContent xmlns:mc="http://schemas.openxmlformats.org/markup-compatibility/2006">
-    <mc:Choice xmlns:p14="http://schemas.microsoft.com/office/powerpoint/2010/main" Requires="p14">
+  <mc:AlternateContent xmlns:mc="http://schemas.openxmlformats.org/markup-compatibility/2006" xmlns:p14="http://schemas.microsoft.com/office/powerpoint/2010/main">
+    <mc:Choice Requires="p14">
       <p:transition p14:dur="300">
         <p:fade/>
       </p:transition>
     </mc:Choice>
-    <mc:Fallback>
+    <mc:Fallback xmlns="">
       <p:transition>
         <p:fade/>
       </p:transition>
@@ -4440,13 +4440,13 @@
   <p:clrMapOvr>
     <a:masterClrMapping/>
   </p:clrMapOvr>
-  <mc:AlternateContent xmlns:mc="http://schemas.openxmlformats.org/markup-compatibility/2006">
-    <mc:Choice xmlns:p14="http://schemas.microsoft.com/office/powerpoint/2010/main" Requires="p14">
+  <mc:AlternateContent xmlns:mc="http://schemas.openxmlformats.org/markup-compatibility/2006" xmlns:p14="http://schemas.microsoft.com/office/powerpoint/2010/main">
+    <mc:Choice Requires="p14">
       <p:transition p14:dur="300">
         <p:fade/>
       </p:transition>
     </mc:Choice>
-    <mc:Fallback>
+    <mc:Fallback xmlns="">
       <p:transition>
         <p:fade/>
       </p:transition>
@@ -4682,13 +4682,13 @@
   <p:clrMapOvr>
     <a:masterClrMapping/>
   </p:clrMapOvr>
-  <mc:AlternateContent xmlns:mc="http://schemas.openxmlformats.org/markup-compatibility/2006">
-    <mc:Choice xmlns:p14="http://schemas.microsoft.com/office/powerpoint/2010/main" Requires="p14">
+  <mc:AlternateContent xmlns:mc="http://schemas.openxmlformats.org/markup-compatibility/2006" xmlns:p14="http://schemas.microsoft.com/office/powerpoint/2010/main">
+    <mc:Choice Requires="p14">
       <p:transition p14:dur="300">
         <p:fade/>
       </p:transition>
     </mc:Choice>
-    <mc:Fallback>
+    <mc:Fallback xmlns="">
       <p:transition>
         <p:fade/>
       </p:transition>
@@ -5022,13 +5022,13 @@
   <p:clrMapOvr>
     <a:masterClrMapping/>
   </p:clrMapOvr>
-  <mc:AlternateContent xmlns:mc="http://schemas.openxmlformats.org/markup-compatibility/2006">
-    <mc:Choice xmlns:p14="http://schemas.microsoft.com/office/powerpoint/2010/main" Requires="p14">
+  <mc:AlternateContent xmlns:mc="http://schemas.openxmlformats.org/markup-compatibility/2006" xmlns:p14="http://schemas.microsoft.com/office/powerpoint/2010/main">
+    <mc:Choice Requires="p14">
       <p:transition p14:dur="300">
         <p:fade/>
       </p:transition>
     </mc:Choice>
-    <mc:Fallback>
+    <mc:Fallback xmlns="">
       <p:transition>
         <p:fade/>
       </p:transition>
@@ -5492,13 +5492,13 @@
   <p:clrMapOvr>
     <a:masterClrMapping/>
   </p:clrMapOvr>
-  <mc:AlternateContent xmlns:mc="http://schemas.openxmlformats.org/markup-compatibility/2006">
-    <mc:Choice xmlns:p14="http://schemas.microsoft.com/office/powerpoint/2010/main" Requires="p14">
+  <mc:AlternateContent xmlns:mc="http://schemas.openxmlformats.org/markup-compatibility/2006" xmlns:p14="http://schemas.microsoft.com/office/powerpoint/2010/main">
+    <mc:Choice Requires="p14">
       <p:transition p14:dur="300">
         <p:fade/>
       </p:transition>
     </mc:Choice>
-    <mc:Fallback>
+    <mc:Fallback xmlns="">
       <p:transition>
         <p:fade/>
       </p:transition>
@@ -5664,13 +5664,13 @@
   <p:clrMapOvr>
     <a:masterClrMapping/>
   </p:clrMapOvr>
-  <mc:AlternateContent xmlns:mc="http://schemas.openxmlformats.org/markup-compatibility/2006">
-    <mc:Choice xmlns:p14="http://schemas.microsoft.com/office/powerpoint/2010/main" Requires="p14">
+  <mc:AlternateContent xmlns:mc="http://schemas.openxmlformats.org/markup-compatibility/2006" xmlns:p14="http://schemas.microsoft.com/office/powerpoint/2010/main">
+    <mc:Choice Requires="p14">
       <p:transition p14:dur="300">
         <p:fade/>
       </p:transition>
     </mc:Choice>
-    <mc:Fallback>
+    <mc:Fallback xmlns="">
       <p:transition>
         <p:fade/>
       </p:transition>
@@ -5810,13 +5810,13 @@
   <p:clrMapOvr>
     <a:masterClrMapping/>
   </p:clrMapOvr>
-  <mc:AlternateContent xmlns:mc="http://schemas.openxmlformats.org/markup-compatibility/2006">
-    <mc:Choice xmlns:p14="http://schemas.microsoft.com/office/powerpoint/2010/main" Requires="p14">
+  <mc:AlternateContent xmlns:mc="http://schemas.openxmlformats.org/markup-compatibility/2006" xmlns:p14="http://schemas.microsoft.com/office/powerpoint/2010/main">
+    <mc:Choice Requires="p14">
       <p:transition p14:dur="300">
         <p:fade/>
       </p:transition>
     </mc:Choice>
-    <mc:Fallback>
+    <mc:Fallback xmlns="">
       <p:transition>
         <p:fade/>
       </p:transition>
@@ -6136,13 +6136,13 @@
   <p:clrMapOvr>
     <a:masterClrMapping/>
   </p:clrMapOvr>
-  <mc:AlternateContent xmlns:mc="http://schemas.openxmlformats.org/markup-compatibility/2006">
-    <mc:Choice xmlns:p14="http://schemas.microsoft.com/office/powerpoint/2010/main" Requires="p14">
+  <mc:AlternateContent xmlns:mc="http://schemas.openxmlformats.org/markup-compatibility/2006" xmlns:p14="http://schemas.microsoft.com/office/powerpoint/2010/main">
+    <mc:Choice Requires="p14">
       <p:transition p14:dur="300">
         <p:fade/>
       </p:transition>
     </mc:Choice>
-    <mc:Fallback>
+    <mc:Fallback xmlns="">
       <p:transition>
         <p:fade/>
       </p:transition>
@@ -6440,13 +6440,13 @@
   <p:clrMapOvr>
     <a:masterClrMapping/>
   </p:clrMapOvr>
-  <mc:AlternateContent xmlns:mc="http://schemas.openxmlformats.org/markup-compatibility/2006">
-    <mc:Choice xmlns:p14="http://schemas.microsoft.com/office/powerpoint/2010/main" Requires="p14">
+  <mc:AlternateContent xmlns:mc="http://schemas.openxmlformats.org/markup-compatibility/2006" xmlns:p14="http://schemas.microsoft.com/office/powerpoint/2010/main">
+    <mc:Choice Requires="p14">
       <p:transition p14:dur="300">
         <p:fade/>
       </p:transition>
     </mc:Choice>
-    <mc:Fallback>
+    <mc:Fallback xmlns="">
       <p:transition>
         <p:fade/>
       </p:transition>
@@ -6929,13 +6929,13 @@
     <p:sldLayoutId id="2147483696" r:id="rId11"/>
     <p:sldLayoutId id="2147483697" r:id="rId12"/>
   </p:sldLayoutIdLst>
-  <mc:AlternateContent xmlns:mc="http://schemas.openxmlformats.org/markup-compatibility/2006">
-    <mc:Choice xmlns:p14="http://schemas.microsoft.com/office/powerpoint/2010/main" Requires="p14">
+  <mc:AlternateContent xmlns:mc="http://schemas.openxmlformats.org/markup-compatibility/2006" xmlns:p14="http://schemas.microsoft.com/office/powerpoint/2010/main">
+    <mc:Choice Requires="p14">
       <p:transition p14:dur="300">
         <p:fade/>
       </p:transition>
     </mc:Choice>
-    <mc:Fallback>
+    <mc:Fallback xmlns="">
       <p:transition>
         <p:fade/>
       </p:transition>
@@ -7817,13 +7817,13 @@
     <p:sldLayoutId id="2147483709" r:id="rId11"/>
     <p:sldLayoutId id="2147483710" r:id="rId12"/>
   </p:sldLayoutIdLst>
-  <mc:AlternateContent xmlns:mc="http://schemas.openxmlformats.org/markup-compatibility/2006">
-    <mc:Choice xmlns:p14="http://schemas.microsoft.com/office/powerpoint/2010/main" Requires="p14">
+  <mc:AlternateContent xmlns:mc="http://schemas.openxmlformats.org/markup-compatibility/2006" xmlns:p14="http://schemas.microsoft.com/office/powerpoint/2010/main">
+    <mc:Choice Requires="p14">
       <p:transition p14:dur="300">
         <p:fade/>
       </p:transition>
     </mc:Choice>
-    <mc:Fallback>
+    <mc:Fallback xmlns="">
       <p:transition>
         <p:fade/>
       </p:transition>
@@ -8610,41 +8610,7 @@
                 <a:ea typeface="Calibri Light" panose="020F0302020204030204" pitchFamily="34" charset="0"/>
                 <a:cs typeface="Calibri Light" panose="020F0302020204030204" pitchFamily="34" charset="0"/>
               </a:rPr>
-              <a:t>And We desired to show </a:t>
-            </a:r>
-            <a:r>
-              <a:rPr kumimoji="0" lang="en-US" sz="1400" b="0" i="1" u="none" strike="noStrike" kern="1200" cap="none" spc="0" normalizeH="0" baseline="0" noProof="0" dirty="0" err="1">
-                <a:ln>
-                  <a:noFill/>
-                </a:ln>
-                <a:solidFill>
-                  <a:srgbClr val="127274"/>
-                </a:solidFill>
-                <a:effectLst/>
-                <a:uLnTx/>
-                <a:uFillTx/>
-                <a:latin typeface="Calibri Light" panose="020F0302020204030204" pitchFamily="34" charset="0"/>
-                <a:ea typeface="Calibri Light" panose="020F0302020204030204" pitchFamily="34" charset="0"/>
-                <a:cs typeface="Calibri Light" panose="020F0302020204030204" pitchFamily="34" charset="0"/>
-              </a:rPr>
-              <a:t>favour</a:t>
-            </a:r>
-            <a:r>
-              <a:rPr kumimoji="0" lang="en-US" sz="1400" b="0" i="1" u="none" strike="noStrike" kern="1200" cap="none" spc="0" normalizeH="0" baseline="0" noProof="0" dirty="0">
-                <a:ln>
-                  <a:noFill/>
-                </a:ln>
-                <a:solidFill>
-                  <a:srgbClr val="127274"/>
-                </a:solidFill>
-                <a:effectLst/>
-                <a:uLnTx/>
-                <a:uFillTx/>
-                <a:latin typeface="Calibri Light" panose="020F0302020204030204" pitchFamily="34" charset="0"/>
-                <a:ea typeface="Calibri Light" panose="020F0302020204030204" pitchFamily="34" charset="0"/>
-                <a:cs typeface="Calibri Light" panose="020F0302020204030204" pitchFamily="34" charset="0"/>
-              </a:rPr>
-              <a:t> upon those who were abased in the land, </a:t>
+              <a:t>And We desired to show favor upon those who were abased in the land, </a:t>
             </a:r>
           </a:p>
           <a:p>
@@ -8719,7 +8685,7 @@
               <a:t>(Surah </a:t>
             </a:r>
             <a:r>
-              <a:rPr kumimoji="0" lang="en-US" sz="1200" b="0" i="1" u="none" strike="noStrike" kern="1200" cap="none" spc="0" normalizeH="0" baseline="0" noProof="0" dirty="0" err="1">
+              <a:rPr kumimoji="0" lang="en-US" sz="1200" b="0" i="1" u="none" strike="noStrike" kern="1200" cap="none" spc="0" normalizeH="0" baseline="0" noProof="0">
                 <a:ln>
                   <a:noFill/>
                 </a:ln>
@@ -8733,7 +8699,7 @@
                 <a:ea typeface="Calibri Light" panose="020F0302020204030204" pitchFamily="34" charset="0"/>
                 <a:cs typeface="Calibri Light" panose="020F0302020204030204" pitchFamily="34" charset="0"/>
               </a:rPr>
-              <a:t>Qasas</a:t>
+              <a:t>Qasas: </a:t>
             </a:r>
             <a:r>
               <a:rPr kumimoji="0" lang="en-US" sz="1200" b="0" i="1" u="none" strike="noStrike" kern="1200" cap="none" spc="0" normalizeH="0" baseline="0" noProof="0" dirty="0">
@@ -8750,7 +8716,7 @@
                 <a:ea typeface="Calibri Light" panose="020F0302020204030204" pitchFamily="34" charset="0"/>
                 <a:cs typeface="Calibri Light" panose="020F0302020204030204" pitchFamily="34" charset="0"/>
               </a:rPr>
-              <a:t> : 5)</a:t>
+              <a:t>5)</a:t>
             </a:r>
             <a:endParaRPr kumimoji="0" lang="en-CA" sz="1200" b="0" i="1" u="none" strike="noStrike" kern="1200" cap="none" spc="0" normalizeH="0" baseline="0" noProof="0" dirty="0">
               <a:ln>
@@ -9030,13 +8996,13 @@
   <p:clrMapOvr>
     <a:masterClrMapping/>
   </p:clrMapOvr>
-  <mc:AlternateContent xmlns:mc="http://schemas.openxmlformats.org/markup-compatibility/2006">
-    <mc:Choice xmlns:p14="http://schemas.microsoft.com/office/powerpoint/2010/main" Requires="p14">
+  <mc:AlternateContent xmlns:mc="http://schemas.openxmlformats.org/markup-compatibility/2006" xmlns:p14="http://schemas.microsoft.com/office/powerpoint/2010/main">
+    <mc:Choice Requires="p14">
       <p:transition p14:dur="300">
         <p:fade/>
       </p:transition>
     </mc:Choice>
-    <mc:Fallback>
+    <mc:Fallback xmlns="">
       <p:transition>
         <p:fade/>
       </p:transition>
@@ -9146,13 +9112,13 @@
   <p:clrMapOvr>
     <a:masterClrMapping/>
   </p:clrMapOvr>
-  <mc:AlternateContent xmlns:mc="http://schemas.openxmlformats.org/markup-compatibility/2006">
-    <mc:Choice xmlns:p14="http://schemas.microsoft.com/office/powerpoint/2010/main" Requires="p14">
+  <mc:AlternateContent xmlns:mc="http://schemas.openxmlformats.org/markup-compatibility/2006" xmlns:p14="http://schemas.microsoft.com/office/powerpoint/2010/main">
+    <mc:Choice Requires="p14">
       <p:transition p14:dur="300">
         <p:fade/>
       </p:transition>
     </mc:Choice>
-    <mc:Fallback>
+    <mc:Fallback xmlns="">
       <p:transition>
         <p:fade/>
       </p:transition>
@@ -9262,13 +9228,13 @@
   <p:clrMapOvr>
     <a:masterClrMapping/>
   </p:clrMapOvr>
-  <mc:AlternateContent xmlns:mc="http://schemas.openxmlformats.org/markup-compatibility/2006">
-    <mc:Choice xmlns:p14="http://schemas.microsoft.com/office/powerpoint/2010/main" Requires="p14">
+  <mc:AlternateContent xmlns:mc="http://schemas.openxmlformats.org/markup-compatibility/2006" xmlns:p14="http://schemas.microsoft.com/office/powerpoint/2010/main">
+    <mc:Choice Requires="p14">
       <p:transition p14:dur="300">
         <p:fade/>
       </p:transition>
     </mc:Choice>
-    <mc:Fallback>
+    <mc:Fallback xmlns="">
       <p:transition>
         <p:fade/>
       </p:transition>
@@ -9378,13 +9344,13 @@
   <p:clrMapOvr>
     <a:masterClrMapping/>
   </p:clrMapOvr>
-  <mc:AlternateContent xmlns:mc="http://schemas.openxmlformats.org/markup-compatibility/2006">
-    <mc:Choice xmlns:p14="http://schemas.microsoft.com/office/powerpoint/2010/main" Requires="p14">
+  <mc:AlternateContent xmlns:mc="http://schemas.openxmlformats.org/markup-compatibility/2006" xmlns:p14="http://schemas.microsoft.com/office/powerpoint/2010/main">
+    <mc:Choice Requires="p14">
       <p:transition p14:dur="300">
         <p:fade/>
       </p:transition>
     </mc:Choice>
-    <mc:Fallback>
+    <mc:Fallback xmlns="">
       <p:transition>
         <p:fade/>
       </p:transition>
@@ -9494,13 +9460,13 @@
   <p:clrMapOvr>
     <a:masterClrMapping/>
   </p:clrMapOvr>
-  <mc:AlternateContent xmlns:mc="http://schemas.openxmlformats.org/markup-compatibility/2006">
-    <mc:Choice xmlns:p14="http://schemas.microsoft.com/office/powerpoint/2010/main" Requires="p14">
+  <mc:AlternateContent xmlns:mc="http://schemas.openxmlformats.org/markup-compatibility/2006" xmlns:p14="http://schemas.microsoft.com/office/powerpoint/2010/main">
+    <mc:Choice Requires="p14">
       <p:transition p14:dur="300">
         <p:fade/>
       </p:transition>
     </mc:Choice>
-    <mc:Fallback>
+    <mc:Fallback xmlns="">
       <p:transition>
         <p:fade/>
       </p:transition>
@@ -9610,13 +9576,13 @@
   <p:clrMapOvr>
     <a:masterClrMapping/>
   </p:clrMapOvr>
-  <mc:AlternateContent xmlns:mc="http://schemas.openxmlformats.org/markup-compatibility/2006">
-    <mc:Choice xmlns:p14="http://schemas.microsoft.com/office/powerpoint/2010/main" Requires="p14">
+  <mc:AlternateContent xmlns:mc="http://schemas.openxmlformats.org/markup-compatibility/2006" xmlns:p14="http://schemas.microsoft.com/office/powerpoint/2010/main">
+    <mc:Choice Requires="p14">
       <p:transition p14:dur="300">
         <p:fade/>
       </p:transition>
     </mc:Choice>
-    <mc:Fallback>
+    <mc:Fallback xmlns="">
       <p:transition>
         <p:fade/>
       </p:transition>
@@ -9726,13 +9692,13 @@
   <p:clrMapOvr>
     <a:masterClrMapping/>
   </p:clrMapOvr>
-  <mc:AlternateContent xmlns:mc="http://schemas.openxmlformats.org/markup-compatibility/2006">
-    <mc:Choice xmlns:p14="http://schemas.microsoft.com/office/powerpoint/2010/main" Requires="p14">
+  <mc:AlternateContent xmlns:mc="http://schemas.openxmlformats.org/markup-compatibility/2006" xmlns:p14="http://schemas.microsoft.com/office/powerpoint/2010/main">
+    <mc:Choice Requires="p14">
       <p:transition p14:dur="300">
         <p:fade/>
       </p:transition>
     </mc:Choice>
-    <mc:Fallback>
+    <mc:Fallback xmlns="">
       <p:transition>
         <p:fade/>
       </p:transition>
@@ -9842,13 +9808,13 @@
   <p:clrMapOvr>
     <a:masterClrMapping/>
   </p:clrMapOvr>
-  <mc:AlternateContent xmlns:mc="http://schemas.openxmlformats.org/markup-compatibility/2006">
-    <mc:Choice xmlns:p14="http://schemas.microsoft.com/office/powerpoint/2010/main" Requires="p14">
+  <mc:AlternateContent xmlns:mc="http://schemas.openxmlformats.org/markup-compatibility/2006" xmlns:p14="http://schemas.microsoft.com/office/powerpoint/2010/main">
+    <mc:Choice Requires="p14">
       <p:transition p14:dur="300">
         <p:fade/>
       </p:transition>
     </mc:Choice>
-    <mc:Fallback>
+    <mc:Fallback xmlns="">
       <p:transition>
         <p:fade/>
       </p:transition>
@@ -9958,13 +9924,13 @@
   <p:clrMapOvr>
     <a:masterClrMapping/>
   </p:clrMapOvr>
-  <mc:AlternateContent xmlns:mc="http://schemas.openxmlformats.org/markup-compatibility/2006">
-    <mc:Choice xmlns:p14="http://schemas.microsoft.com/office/powerpoint/2010/main" Requires="p14">
+  <mc:AlternateContent xmlns:mc="http://schemas.openxmlformats.org/markup-compatibility/2006" xmlns:p14="http://schemas.microsoft.com/office/powerpoint/2010/main">
+    <mc:Choice Requires="p14">
       <p:transition p14:dur="300">
         <p:fade/>
       </p:transition>
     </mc:Choice>
-    <mc:Fallback>
+    <mc:Fallback xmlns="">
       <p:transition>
         <p:fade/>
       </p:transition>
@@ -10074,13 +10040,13 @@
   <p:clrMapOvr>
     <a:masterClrMapping/>
   </p:clrMapOvr>
-  <mc:AlternateContent xmlns:mc="http://schemas.openxmlformats.org/markup-compatibility/2006">
-    <mc:Choice xmlns:p14="http://schemas.microsoft.com/office/powerpoint/2010/main" Requires="p14">
+  <mc:AlternateContent xmlns:mc="http://schemas.openxmlformats.org/markup-compatibility/2006" xmlns:p14="http://schemas.microsoft.com/office/powerpoint/2010/main">
+    <mc:Choice Requires="p14">
       <p:transition p14:dur="300">
         <p:fade/>
       </p:transition>
     </mc:Choice>
-    <mc:Fallback>
+    <mc:Fallback xmlns="">
       <p:transition>
         <p:fade/>
       </p:transition>
@@ -10190,13 +10156,13 @@
   <p:clrMapOvr>
     <a:masterClrMapping/>
   </p:clrMapOvr>
-  <mc:AlternateContent xmlns:mc="http://schemas.openxmlformats.org/markup-compatibility/2006">
-    <mc:Choice xmlns:p14="http://schemas.microsoft.com/office/powerpoint/2010/main" Requires="p14">
+  <mc:AlternateContent xmlns:mc="http://schemas.openxmlformats.org/markup-compatibility/2006" xmlns:p14="http://schemas.microsoft.com/office/powerpoint/2010/main">
+    <mc:Choice Requires="p14">
       <p:transition p14:dur="300">
         <p:fade/>
       </p:transition>
     </mc:Choice>
-    <mc:Fallback>
+    <mc:Fallback xmlns="">
       <p:transition>
         <p:fade/>
       </p:transition>
@@ -10313,13 +10279,13 @@
   <p:clrMapOvr>
     <a:masterClrMapping/>
   </p:clrMapOvr>
-  <mc:AlternateContent xmlns:mc="http://schemas.openxmlformats.org/markup-compatibility/2006">
-    <mc:Choice xmlns:p14="http://schemas.microsoft.com/office/powerpoint/2010/main" Requires="p14">
+  <mc:AlternateContent xmlns:mc="http://schemas.openxmlformats.org/markup-compatibility/2006" xmlns:p14="http://schemas.microsoft.com/office/powerpoint/2010/main">
+    <mc:Choice Requires="p14">
       <p:transition p14:dur="300">
         <p:fade/>
       </p:transition>
     </mc:Choice>
-    <mc:Fallback>
+    <mc:Fallback xmlns="">
       <p:transition>
         <p:fade/>
       </p:transition>
@@ -10429,13 +10395,13 @@
   <p:clrMapOvr>
     <a:masterClrMapping/>
   </p:clrMapOvr>
-  <mc:AlternateContent xmlns:mc="http://schemas.openxmlformats.org/markup-compatibility/2006">
-    <mc:Choice xmlns:p14="http://schemas.microsoft.com/office/powerpoint/2010/main" Requires="p14">
+  <mc:AlternateContent xmlns:mc="http://schemas.openxmlformats.org/markup-compatibility/2006" xmlns:p14="http://schemas.microsoft.com/office/powerpoint/2010/main">
+    <mc:Choice Requires="p14">
       <p:transition p14:dur="300">
         <p:fade/>
       </p:transition>
     </mc:Choice>
-    <mc:Fallback>
+    <mc:Fallback xmlns="">
       <p:transition>
         <p:fade/>
       </p:transition>
@@ -10545,13 +10511,13 @@
   <p:clrMapOvr>
     <a:masterClrMapping/>
   </p:clrMapOvr>
-  <mc:AlternateContent xmlns:mc="http://schemas.openxmlformats.org/markup-compatibility/2006">
-    <mc:Choice xmlns:p14="http://schemas.microsoft.com/office/powerpoint/2010/main" Requires="p14">
+  <mc:AlternateContent xmlns:mc="http://schemas.openxmlformats.org/markup-compatibility/2006" xmlns:p14="http://schemas.microsoft.com/office/powerpoint/2010/main">
+    <mc:Choice Requires="p14">
       <p:transition p14:dur="300">
         <p:fade/>
       </p:transition>
     </mc:Choice>
-    <mc:Fallback>
+    <mc:Fallback xmlns="">
       <p:transition>
         <p:fade/>
       </p:transition>
@@ -10661,13 +10627,13 @@
   <p:clrMapOvr>
     <a:masterClrMapping/>
   </p:clrMapOvr>
-  <mc:AlternateContent xmlns:mc="http://schemas.openxmlformats.org/markup-compatibility/2006">
-    <mc:Choice xmlns:p14="http://schemas.microsoft.com/office/powerpoint/2010/main" Requires="p14">
+  <mc:AlternateContent xmlns:mc="http://schemas.openxmlformats.org/markup-compatibility/2006" xmlns:p14="http://schemas.microsoft.com/office/powerpoint/2010/main">
+    <mc:Choice Requires="p14">
       <p:transition p14:dur="300">
         <p:fade/>
       </p:transition>
     </mc:Choice>
-    <mc:Fallback>
+    <mc:Fallback xmlns="">
       <p:transition>
         <p:fade/>
       </p:transition>
@@ -10777,13 +10743,13 @@
   <p:clrMapOvr>
     <a:masterClrMapping/>
   </p:clrMapOvr>
-  <mc:AlternateContent xmlns:mc="http://schemas.openxmlformats.org/markup-compatibility/2006">
-    <mc:Choice xmlns:p14="http://schemas.microsoft.com/office/powerpoint/2010/main" Requires="p14">
+  <mc:AlternateContent xmlns:mc="http://schemas.openxmlformats.org/markup-compatibility/2006" xmlns:p14="http://schemas.microsoft.com/office/powerpoint/2010/main">
+    <mc:Choice Requires="p14">
       <p:transition p14:dur="300">
         <p:fade/>
       </p:transition>
     </mc:Choice>
-    <mc:Fallback>
+    <mc:Fallback xmlns="">
       <p:transition>
         <p:fade/>
       </p:transition>
@@ -10893,13 +10859,13 @@
   <p:clrMapOvr>
     <a:masterClrMapping/>
   </p:clrMapOvr>
-  <mc:AlternateContent xmlns:mc="http://schemas.openxmlformats.org/markup-compatibility/2006">
-    <mc:Choice xmlns:p14="http://schemas.microsoft.com/office/powerpoint/2010/main" Requires="p14">
+  <mc:AlternateContent xmlns:mc="http://schemas.openxmlformats.org/markup-compatibility/2006" xmlns:p14="http://schemas.microsoft.com/office/powerpoint/2010/main">
+    <mc:Choice Requires="p14">
       <p:transition p14:dur="300">
         <p:fade/>
       </p:transition>
     </mc:Choice>
-    <mc:Fallback>
+    <mc:Fallback xmlns="">
       <p:transition>
         <p:fade/>
       </p:transition>
@@ -11009,13 +10975,13 @@
   <p:clrMapOvr>
     <a:masterClrMapping/>
   </p:clrMapOvr>
-  <mc:AlternateContent xmlns:mc="http://schemas.openxmlformats.org/markup-compatibility/2006">
-    <mc:Choice xmlns:p14="http://schemas.microsoft.com/office/powerpoint/2010/main" Requires="p14">
+  <mc:AlternateContent xmlns:mc="http://schemas.openxmlformats.org/markup-compatibility/2006" xmlns:p14="http://schemas.microsoft.com/office/powerpoint/2010/main">
+    <mc:Choice Requires="p14">
       <p:transition p14:dur="300">
         <p:fade/>
       </p:transition>
     </mc:Choice>
-    <mc:Fallback>
+    <mc:Fallback xmlns="">
       <p:transition>
         <p:fade/>
       </p:transition>
@@ -11125,13 +11091,13 @@
   <p:clrMapOvr>
     <a:masterClrMapping/>
   </p:clrMapOvr>
-  <mc:AlternateContent xmlns:mc="http://schemas.openxmlformats.org/markup-compatibility/2006">
-    <mc:Choice xmlns:p14="http://schemas.microsoft.com/office/powerpoint/2010/main" Requires="p14">
+  <mc:AlternateContent xmlns:mc="http://schemas.openxmlformats.org/markup-compatibility/2006" xmlns:p14="http://schemas.microsoft.com/office/powerpoint/2010/main">
+    <mc:Choice Requires="p14">
       <p:transition p14:dur="300">
         <p:fade/>
       </p:transition>
     </mc:Choice>
-    <mc:Fallback>
+    <mc:Fallback xmlns="">
       <p:transition>
         <p:fade/>
       </p:transition>
@@ -11241,13 +11207,13 @@
   <p:clrMapOvr>
     <a:masterClrMapping/>
   </p:clrMapOvr>
-  <mc:AlternateContent xmlns:mc="http://schemas.openxmlformats.org/markup-compatibility/2006">
-    <mc:Choice xmlns:p14="http://schemas.microsoft.com/office/powerpoint/2010/main" Requires="p14">
+  <mc:AlternateContent xmlns:mc="http://schemas.openxmlformats.org/markup-compatibility/2006" xmlns:p14="http://schemas.microsoft.com/office/powerpoint/2010/main">
+    <mc:Choice Requires="p14">
       <p:transition p14:dur="300">
         <p:fade/>
       </p:transition>
     </mc:Choice>
-    <mc:Fallback>
+    <mc:Fallback xmlns="">
       <p:transition>
         <p:fade/>
       </p:transition>
@@ -11357,13 +11323,13 @@
   <p:clrMapOvr>
     <a:masterClrMapping/>
   </p:clrMapOvr>
-  <mc:AlternateContent xmlns:mc="http://schemas.openxmlformats.org/markup-compatibility/2006">
-    <mc:Choice xmlns:p14="http://schemas.microsoft.com/office/powerpoint/2010/main" Requires="p14">
+  <mc:AlternateContent xmlns:mc="http://schemas.openxmlformats.org/markup-compatibility/2006" xmlns:p14="http://schemas.microsoft.com/office/powerpoint/2010/main">
+    <mc:Choice Requires="p14">
       <p:transition p14:dur="300">
         <p:fade/>
       </p:transition>
     </mc:Choice>
-    <mc:Fallback>
+    <mc:Fallback xmlns="">
       <p:transition>
         <p:fade/>
       </p:transition>
@@ -11473,13 +11439,13 @@
   <p:clrMapOvr>
     <a:masterClrMapping/>
   </p:clrMapOvr>
-  <mc:AlternateContent xmlns:mc="http://schemas.openxmlformats.org/markup-compatibility/2006">
-    <mc:Choice xmlns:p14="http://schemas.microsoft.com/office/powerpoint/2010/main" Requires="p14">
+  <mc:AlternateContent xmlns:mc="http://schemas.openxmlformats.org/markup-compatibility/2006" xmlns:p14="http://schemas.microsoft.com/office/powerpoint/2010/main">
+    <mc:Choice Requires="p14">
       <p:transition p14:dur="300">
         <p:fade/>
       </p:transition>
     </mc:Choice>
-    <mc:Fallback>
+    <mc:Fallback xmlns="">
       <p:transition>
         <p:fade/>
       </p:transition>
@@ -11602,13 +11568,13 @@
   <p:clrMapOvr>
     <a:masterClrMapping/>
   </p:clrMapOvr>
-  <mc:AlternateContent xmlns:mc="http://schemas.openxmlformats.org/markup-compatibility/2006">
-    <mc:Choice xmlns:p14="http://schemas.microsoft.com/office/powerpoint/2010/main" Requires="p14">
+  <mc:AlternateContent xmlns:mc="http://schemas.openxmlformats.org/markup-compatibility/2006" xmlns:p14="http://schemas.microsoft.com/office/powerpoint/2010/main">
+    <mc:Choice Requires="p14">
       <p:transition p14:dur="300">
         <p:fade/>
       </p:transition>
     </mc:Choice>
-    <mc:Fallback>
+    <mc:Fallback xmlns="">
       <p:transition>
         <p:fade/>
       </p:transition>
@@ -11718,13 +11684,13 @@
   <p:clrMapOvr>
     <a:masterClrMapping/>
   </p:clrMapOvr>
-  <mc:AlternateContent xmlns:mc="http://schemas.openxmlformats.org/markup-compatibility/2006">
-    <mc:Choice xmlns:p14="http://schemas.microsoft.com/office/powerpoint/2010/main" Requires="p14">
+  <mc:AlternateContent xmlns:mc="http://schemas.openxmlformats.org/markup-compatibility/2006" xmlns:p14="http://schemas.microsoft.com/office/powerpoint/2010/main">
+    <mc:Choice Requires="p14">
       <p:transition p14:dur="300">
         <p:fade/>
       </p:transition>
     </mc:Choice>
-    <mc:Fallback>
+    <mc:Fallback xmlns="">
       <p:transition>
         <p:fade/>
       </p:transition>
@@ -11834,13 +11800,13 @@
   <p:clrMapOvr>
     <a:masterClrMapping/>
   </p:clrMapOvr>
-  <mc:AlternateContent xmlns:mc="http://schemas.openxmlformats.org/markup-compatibility/2006">
-    <mc:Choice xmlns:p14="http://schemas.microsoft.com/office/powerpoint/2010/main" Requires="p14">
+  <mc:AlternateContent xmlns:mc="http://schemas.openxmlformats.org/markup-compatibility/2006" xmlns:p14="http://schemas.microsoft.com/office/powerpoint/2010/main">
+    <mc:Choice Requires="p14">
       <p:transition p14:dur="300">
         <p:fade/>
       </p:transition>
     </mc:Choice>
-    <mc:Fallback>
+    <mc:Fallback xmlns="">
       <p:transition>
         <p:fade/>
       </p:transition>
@@ -11950,13 +11916,13 @@
   <p:clrMapOvr>
     <a:masterClrMapping/>
   </p:clrMapOvr>
-  <mc:AlternateContent xmlns:mc="http://schemas.openxmlformats.org/markup-compatibility/2006">
-    <mc:Choice xmlns:p14="http://schemas.microsoft.com/office/powerpoint/2010/main" Requires="p14">
+  <mc:AlternateContent xmlns:mc="http://schemas.openxmlformats.org/markup-compatibility/2006" xmlns:p14="http://schemas.microsoft.com/office/powerpoint/2010/main">
+    <mc:Choice Requires="p14">
       <p:transition p14:dur="300">
         <p:fade/>
       </p:transition>
     </mc:Choice>
-    <mc:Fallback>
+    <mc:Fallback xmlns="">
       <p:transition>
         <p:fade/>
       </p:transition>
@@ -12073,13 +12039,13 @@
   <p:clrMapOvr>
     <a:masterClrMapping/>
   </p:clrMapOvr>
-  <mc:AlternateContent xmlns:mc="http://schemas.openxmlformats.org/markup-compatibility/2006">
-    <mc:Choice xmlns:p14="http://schemas.microsoft.com/office/powerpoint/2010/main" Requires="p14">
+  <mc:AlternateContent xmlns:mc="http://schemas.openxmlformats.org/markup-compatibility/2006" xmlns:p14="http://schemas.microsoft.com/office/powerpoint/2010/main">
+    <mc:Choice Requires="p14">
       <p:transition p14:dur="300">
         <p:fade/>
       </p:transition>
     </mc:Choice>
-    <mc:Fallback>
+    <mc:Fallback xmlns="">
       <p:transition>
         <p:fade/>
       </p:transition>
@@ -12189,13 +12155,13 @@
   <p:clrMapOvr>
     <a:masterClrMapping/>
   </p:clrMapOvr>
-  <mc:AlternateContent xmlns:mc="http://schemas.openxmlformats.org/markup-compatibility/2006">
-    <mc:Choice xmlns:p14="http://schemas.microsoft.com/office/powerpoint/2010/main" Requires="p14">
+  <mc:AlternateContent xmlns:mc="http://schemas.openxmlformats.org/markup-compatibility/2006" xmlns:p14="http://schemas.microsoft.com/office/powerpoint/2010/main">
+    <mc:Choice Requires="p14">
       <p:transition p14:dur="300">
         <p:fade/>
       </p:transition>
     </mc:Choice>
-    <mc:Fallback>
+    <mc:Fallback xmlns="">
       <p:transition>
         <p:fade/>
       </p:transition>
@@ -12305,13 +12271,13 @@
   <p:clrMapOvr>
     <a:masterClrMapping/>
   </p:clrMapOvr>
-  <mc:AlternateContent xmlns:mc="http://schemas.openxmlformats.org/markup-compatibility/2006">
-    <mc:Choice xmlns:p14="http://schemas.microsoft.com/office/powerpoint/2010/main" Requires="p14">
+  <mc:AlternateContent xmlns:mc="http://schemas.openxmlformats.org/markup-compatibility/2006" xmlns:p14="http://schemas.microsoft.com/office/powerpoint/2010/main">
+    <mc:Choice Requires="p14">
       <p:transition p14:dur="300">
         <p:fade/>
       </p:transition>
     </mc:Choice>
-    <mc:Fallback>
+    <mc:Fallback xmlns="">
       <p:transition>
         <p:fade/>
       </p:transition>
@@ -12421,13 +12387,13 @@
   <p:clrMapOvr>
     <a:masterClrMapping/>
   </p:clrMapOvr>
-  <mc:AlternateContent xmlns:mc="http://schemas.openxmlformats.org/markup-compatibility/2006">
-    <mc:Choice xmlns:p14="http://schemas.microsoft.com/office/powerpoint/2010/main" Requires="p14">
+  <mc:AlternateContent xmlns:mc="http://schemas.openxmlformats.org/markup-compatibility/2006" xmlns:p14="http://schemas.microsoft.com/office/powerpoint/2010/main">
+    <mc:Choice Requires="p14">
       <p:transition p14:dur="300">
         <p:fade/>
       </p:transition>
     </mc:Choice>
-    <mc:Fallback>
+    <mc:Fallback xmlns="">
       <p:transition>
         <p:fade/>
       </p:transition>
@@ -12537,13 +12503,13 @@
   <p:clrMapOvr>
     <a:masterClrMapping/>
   </p:clrMapOvr>
-  <mc:AlternateContent xmlns:mc="http://schemas.openxmlformats.org/markup-compatibility/2006">
-    <mc:Choice xmlns:p14="http://schemas.microsoft.com/office/powerpoint/2010/main" Requires="p14">
+  <mc:AlternateContent xmlns:mc="http://schemas.openxmlformats.org/markup-compatibility/2006" xmlns:p14="http://schemas.microsoft.com/office/powerpoint/2010/main">
+    <mc:Choice Requires="p14">
       <p:transition p14:dur="300">
         <p:fade/>
       </p:transition>
     </mc:Choice>
-    <mc:Fallback>
+    <mc:Fallback xmlns="">
       <p:transition>
         <p:fade/>
       </p:transition>
@@ -12653,13 +12619,13 @@
   <p:clrMapOvr>
     <a:masterClrMapping/>
   </p:clrMapOvr>
-  <mc:AlternateContent xmlns:mc="http://schemas.openxmlformats.org/markup-compatibility/2006">
-    <mc:Choice xmlns:p14="http://schemas.microsoft.com/office/powerpoint/2010/main" Requires="p14">
+  <mc:AlternateContent xmlns:mc="http://schemas.openxmlformats.org/markup-compatibility/2006" xmlns:p14="http://schemas.microsoft.com/office/powerpoint/2010/main">
+    <mc:Choice Requires="p14">
       <p:transition p14:dur="300">
         <p:fade/>
       </p:transition>
     </mc:Choice>
-    <mc:Fallback>
+    <mc:Fallback xmlns="">
       <p:transition>
         <p:fade/>
       </p:transition>
@@ -12769,13 +12735,13 @@
   <p:clrMapOvr>
     <a:masterClrMapping/>
   </p:clrMapOvr>
-  <mc:AlternateContent xmlns:mc="http://schemas.openxmlformats.org/markup-compatibility/2006">
-    <mc:Choice xmlns:p14="http://schemas.microsoft.com/office/powerpoint/2010/main" Requires="p14">
+  <mc:AlternateContent xmlns:mc="http://schemas.openxmlformats.org/markup-compatibility/2006" xmlns:p14="http://schemas.microsoft.com/office/powerpoint/2010/main">
+    <mc:Choice Requires="p14">
       <p:transition p14:dur="300">
         <p:fade/>
       </p:transition>
     </mc:Choice>
-    <mc:Fallback>
+    <mc:Fallback xmlns="">
       <p:transition>
         <p:fade/>
       </p:transition>
